--- a/docs/Stencil_Blueprints.pptx
+++ b/docs/Stencil_Blueprints.pptx
@@ -123,7 +123,7 @@
   </p:defaultTextStyle>
   <p:extLst>
     <p:ext uri="{EFAFB233-063F-42B5-8137-9DF3F51BA10A}">
-      <p15:sldGuideLst xmlns:p15="http://schemas.microsoft.com/office/powerpoint/2012/main"/>
+      <p15:sldGuideLst xmlns="" xmlns:p15="http://schemas.microsoft.com/office/powerpoint/2012/main"/>
     </p:ext>
   </p:extLst>
 </p:presentation>
@@ -211,7 +211,7 @@
           <a:p>
             <a:fld id="{8CD0011A-C79D-9447-ABD0-A9E9C6AF36C5}" type="datetimeFigureOut">
               <a:rPr lang="en-US" smtClean="0"/>
-              <a:t>7/19/17</a:t>
+              <a:t>08/08/17</a:t>
             </a:fld>
             <a:endParaRPr lang="en-US"/>
           </a:p>
@@ -370,7 +370,7 @@
           <a:p>
             <a:fld id="{4F38D747-6B1E-F14C-94B4-6DB4CFAF399A}" type="slidenum">
               <a:rPr lang="en-US" smtClean="0"/>
-              <a:t>‹Nr.›</a:t>
+              <a:t>‹#›</a:t>
             </a:fld>
             <a:endParaRPr lang="en-US"/>
           </a:p>
@@ -610,7 +610,7 @@
           <a:p>
             <a:fld id="{EA2FDEEC-B784-3F4C-8399-EACB20589474}" type="datetimeFigureOut">
               <a:rPr lang="de-DE" smtClean="0"/>
-              <a:t>19.07.17</a:t>
+              <a:t>08/08/17</a:t>
             </a:fld>
             <a:endParaRPr lang="de-DE"/>
           </a:p>
@@ -652,7 +652,7 @@
           <a:p>
             <a:fld id="{A7B26DC6-E3A7-B446-BDD0-39F3A2F87D39}" type="slidenum">
               <a:rPr lang="de-DE" smtClean="0"/>
-              <a:t>‹Nr.›</a:t>
+              <a:t>‹#›</a:t>
             </a:fld>
             <a:endParaRPr lang="de-DE"/>
           </a:p>
@@ -780,7 +780,7 @@
           <a:p>
             <a:fld id="{EA2FDEEC-B784-3F4C-8399-EACB20589474}" type="datetimeFigureOut">
               <a:rPr lang="de-DE" smtClean="0"/>
-              <a:t>19.07.17</a:t>
+              <a:t>08/08/17</a:t>
             </a:fld>
             <a:endParaRPr lang="de-DE"/>
           </a:p>
@@ -822,7 +822,7 @@
           <a:p>
             <a:fld id="{A7B26DC6-E3A7-B446-BDD0-39F3A2F87D39}" type="slidenum">
               <a:rPr lang="de-DE" smtClean="0"/>
-              <a:t>‹Nr.›</a:t>
+              <a:t>‹#›</a:t>
             </a:fld>
             <a:endParaRPr lang="de-DE"/>
           </a:p>
@@ -960,7 +960,7 @@
           <a:p>
             <a:fld id="{EA2FDEEC-B784-3F4C-8399-EACB20589474}" type="datetimeFigureOut">
               <a:rPr lang="de-DE" smtClean="0"/>
-              <a:t>19.07.17</a:t>
+              <a:t>08/08/17</a:t>
             </a:fld>
             <a:endParaRPr lang="de-DE"/>
           </a:p>
@@ -1002,7 +1002,7 @@
           <a:p>
             <a:fld id="{A7B26DC6-E3A7-B446-BDD0-39F3A2F87D39}" type="slidenum">
               <a:rPr lang="de-DE" smtClean="0"/>
-              <a:t>‹Nr.›</a:t>
+              <a:t>‹#›</a:t>
             </a:fld>
             <a:endParaRPr lang="de-DE"/>
           </a:p>
@@ -1130,7 +1130,7 @@
           <a:p>
             <a:fld id="{EA2FDEEC-B784-3F4C-8399-EACB20589474}" type="datetimeFigureOut">
               <a:rPr lang="de-DE" smtClean="0"/>
-              <a:t>19.07.17</a:t>
+              <a:t>08/08/17</a:t>
             </a:fld>
             <a:endParaRPr lang="de-DE"/>
           </a:p>
@@ -1172,7 +1172,7 @@
           <a:p>
             <a:fld id="{A7B26DC6-E3A7-B446-BDD0-39F3A2F87D39}" type="slidenum">
               <a:rPr lang="de-DE" smtClean="0"/>
-              <a:t>‹Nr.›</a:t>
+              <a:t>‹#›</a:t>
             </a:fld>
             <a:endParaRPr lang="de-DE"/>
           </a:p>
@@ -1376,7 +1376,7 @@
           <a:p>
             <a:fld id="{EA2FDEEC-B784-3F4C-8399-EACB20589474}" type="datetimeFigureOut">
               <a:rPr lang="de-DE" smtClean="0"/>
-              <a:t>19.07.17</a:t>
+              <a:t>08/08/17</a:t>
             </a:fld>
             <a:endParaRPr lang="de-DE"/>
           </a:p>
@@ -1418,7 +1418,7 @@
           <a:p>
             <a:fld id="{A7B26DC6-E3A7-B446-BDD0-39F3A2F87D39}" type="slidenum">
               <a:rPr lang="de-DE" smtClean="0"/>
-              <a:t>‹Nr.›</a:t>
+              <a:t>‹#›</a:t>
             </a:fld>
             <a:endParaRPr lang="de-DE"/>
           </a:p>
@@ -1608,7 +1608,7 @@
           <a:p>
             <a:fld id="{EA2FDEEC-B784-3F4C-8399-EACB20589474}" type="datetimeFigureOut">
               <a:rPr lang="de-DE" smtClean="0"/>
-              <a:t>19.07.17</a:t>
+              <a:t>08/08/17</a:t>
             </a:fld>
             <a:endParaRPr lang="de-DE"/>
           </a:p>
@@ -1650,7 +1650,7 @@
           <a:p>
             <a:fld id="{A7B26DC6-E3A7-B446-BDD0-39F3A2F87D39}" type="slidenum">
               <a:rPr lang="de-DE" smtClean="0"/>
-              <a:t>‹Nr.›</a:t>
+              <a:t>‹#›</a:t>
             </a:fld>
             <a:endParaRPr lang="de-DE"/>
           </a:p>
@@ -1975,7 +1975,7 @@
           <a:p>
             <a:fld id="{EA2FDEEC-B784-3F4C-8399-EACB20589474}" type="datetimeFigureOut">
               <a:rPr lang="de-DE" smtClean="0"/>
-              <a:t>19.07.17</a:t>
+              <a:t>08/08/17</a:t>
             </a:fld>
             <a:endParaRPr lang="de-DE"/>
           </a:p>
@@ -2017,7 +2017,7 @@
           <a:p>
             <a:fld id="{A7B26DC6-E3A7-B446-BDD0-39F3A2F87D39}" type="slidenum">
               <a:rPr lang="de-DE" smtClean="0"/>
-              <a:t>‹Nr.›</a:t>
+              <a:t>‹#›</a:t>
             </a:fld>
             <a:endParaRPr lang="de-DE"/>
           </a:p>
@@ -2093,7 +2093,7 @@
           <a:p>
             <a:fld id="{EA2FDEEC-B784-3F4C-8399-EACB20589474}" type="datetimeFigureOut">
               <a:rPr lang="de-DE" smtClean="0"/>
-              <a:t>19.07.17</a:t>
+              <a:t>08/08/17</a:t>
             </a:fld>
             <a:endParaRPr lang="de-DE"/>
           </a:p>
@@ -2135,7 +2135,7 @@
           <a:p>
             <a:fld id="{A7B26DC6-E3A7-B446-BDD0-39F3A2F87D39}" type="slidenum">
               <a:rPr lang="de-DE" smtClean="0"/>
-              <a:t>‹Nr.›</a:t>
+              <a:t>‹#›</a:t>
             </a:fld>
             <a:endParaRPr lang="de-DE"/>
           </a:p>
@@ -2188,7 +2188,7 @@
           <a:p>
             <a:fld id="{EA2FDEEC-B784-3F4C-8399-EACB20589474}" type="datetimeFigureOut">
               <a:rPr lang="de-DE" smtClean="0"/>
-              <a:t>19.07.17</a:t>
+              <a:t>08/08/17</a:t>
             </a:fld>
             <a:endParaRPr lang="de-DE"/>
           </a:p>
@@ -2230,7 +2230,7 @@
           <a:p>
             <a:fld id="{A7B26DC6-E3A7-B446-BDD0-39F3A2F87D39}" type="slidenum">
               <a:rPr lang="de-DE" smtClean="0"/>
-              <a:t>‹Nr.›</a:t>
+              <a:t>‹#›</a:t>
             </a:fld>
             <a:endParaRPr lang="de-DE"/>
           </a:p>
@@ -2465,7 +2465,7 @@
           <a:p>
             <a:fld id="{EA2FDEEC-B784-3F4C-8399-EACB20589474}" type="datetimeFigureOut">
               <a:rPr lang="de-DE" smtClean="0"/>
-              <a:t>19.07.17</a:t>
+              <a:t>08/08/17</a:t>
             </a:fld>
             <a:endParaRPr lang="de-DE"/>
           </a:p>
@@ -2507,7 +2507,7 @@
           <a:p>
             <a:fld id="{A7B26DC6-E3A7-B446-BDD0-39F3A2F87D39}" type="slidenum">
               <a:rPr lang="de-DE" smtClean="0"/>
-              <a:t>‹Nr.›</a:t>
+              <a:t>‹#›</a:t>
             </a:fld>
             <a:endParaRPr lang="de-DE"/>
           </a:p>
@@ -2718,7 +2718,7 @@
           <a:p>
             <a:fld id="{EA2FDEEC-B784-3F4C-8399-EACB20589474}" type="datetimeFigureOut">
               <a:rPr lang="de-DE" smtClean="0"/>
-              <a:t>19.07.17</a:t>
+              <a:t>08/08/17</a:t>
             </a:fld>
             <a:endParaRPr lang="de-DE"/>
           </a:p>
@@ -2760,7 +2760,7 @@
           <a:p>
             <a:fld id="{A7B26DC6-E3A7-B446-BDD0-39F3A2F87D39}" type="slidenum">
               <a:rPr lang="de-DE" smtClean="0"/>
-              <a:t>‹Nr.›</a:t>
+              <a:t>‹#›</a:t>
             </a:fld>
             <a:endParaRPr lang="de-DE"/>
           </a:p>
@@ -2931,7 +2931,7 @@
           <a:p>
             <a:fld id="{EA2FDEEC-B784-3F4C-8399-EACB20589474}" type="datetimeFigureOut">
               <a:rPr lang="de-DE" smtClean="0"/>
-              <a:t>19.07.17</a:t>
+              <a:t>08/08/17</a:t>
             </a:fld>
             <a:endParaRPr lang="de-DE"/>
           </a:p>
@@ -3009,7 +3009,7 @@
           <a:p>
             <a:fld id="{A7B26DC6-E3A7-B446-BDD0-39F3A2F87D39}" type="slidenum">
               <a:rPr lang="de-DE" smtClean="0"/>
-              <a:t>‹Nr.›</a:t>
+              <a:t>‹#›</a:t>
             </a:fld>
             <a:endParaRPr lang="de-DE"/>
           </a:p>
@@ -3362,36 +3362,21 @@
               <a:t>Blueprints</a:t>
             </a:r>
             <a:r>
-              <a:rPr lang="de-DE" smtClean="0"/>
+              <a:rPr lang="de-DE" dirty="0" smtClean="0"/>
               <a:t/>
             </a:r>
             <a:br>
-              <a:rPr lang="de-DE" smtClean="0"/>
+              <a:rPr lang="de-DE" dirty="0" smtClean="0"/>
             </a:br>
             <a:r>
-              <a:rPr lang="de-DE" smtClean="0"/>
-              <a:t>Definition &amp; Characterization</a:t>
-            </a:r>
-            <a:endParaRPr lang="de-DE"/>
-          </a:p>
-        </p:txBody>
-      </p:sp>
-      <p:sp>
-        <p:nvSpPr>
-          <p:cNvPr id="3" name="Untertitel 2"/>
-          <p:cNvSpPr>
-            <a:spLocks noGrp="1"/>
-          </p:cNvSpPr>
-          <p:nvPr>
-            <p:ph type="subTitle" idx="1"/>
-          </p:nvPr>
-        </p:nvSpPr>
-        <p:spPr/>
-        <p:txBody>
-          <a:bodyPr/>
-          <a:lstStyle/>
-          <a:p>
-            <a:endParaRPr lang="de-DE"/>
+              <a:rPr lang="de-DE" dirty="0" smtClean="0"/>
+              <a:t>Definition &amp; </a:t>
+            </a:r>
+            <a:r>
+              <a:rPr lang="de-DE" dirty="0" err="1" smtClean="0"/>
+              <a:t>Characterization</a:t>
+            </a:r>
+            <a:endParaRPr lang="de-DE" dirty="0"/>
           </a:p>
         </p:txBody>
       </p:sp>
@@ -3408,7 +3393,7 @@
   <p:timing>
     <p:tnLst>
       <p:par>
-        <p:cTn id="1" dur="indefinite" restart="never" nodeType="tmRoot"/>
+        <p:cTn xmlns:p14="http://schemas.microsoft.com/office/powerpoint/2010/main" id="1" dur="indefinite" restart="never" nodeType="tmRoot"/>
       </p:par>
     </p:tnLst>
   </p:timing>
@@ -4487,7 +4472,7 @@
   <p:timing>
     <p:tnLst>
       <p:par>
-        <p:cTn id="1" dur="indefinite" restart="never" nodeType="tmRoot"/>
+        <p:cTn xmlns:p14="http://schemas.microsoft.com/office/powerpoint/2010/main" id="1" dur="indefinite" restart="never" nodeType="tmRoot"/>
       </p:par>
     </p:tnLst>
   </p:timing>
@@ -5416,7 +5401,7 @@
   <p:timing>
     <p:tnLst>
       <p:par>
-        <p:cTn id="1" dur="indefinite" restart="never" nodeType="tmRoot"/>
+        <p:cTn xmlns:p14="http://schemas.microsoft.com/office/powerpoint/2010/main" id="1" dur="indefinite" restart="never" nodeType="tmRoot"/>
       </p:par>
     </p:tnLst>
   </p:timing>
@@ -5458,10 +5443,10 @@
           <a:lstStyle/>
           <a:p>
             <a:r>
-              <a:rPr lang="en-US" sz="2800" smtClean="0"/>
+              <a:rPr lang="en-US" sz="2800" dirty="0" smtClean="0"/>
               <a:t>Implementation strategies for blue prints</a:t>
             </a:r>
-            <a:endParaRPr lang="en-US" sz="2800"/>
+            <a:endParaRPr lang="en-US" sz="2800" dirty="0"/>
           </a:p>
         </p:txBody>
       </p:sp>
@@ -5783,15 +5768,7 @@
                 <a:ea typeface="Courier New" charset="0"/>
                 <a:cs typeface="Courier New" charset="0"/>
               </a:rPr>
-              <a:t> </a:t>
-            </a:r>
-            <a:r>
-              <a:rPr lang="de-DE" sz="1800" dirty="0" smtClean="0">
-                <a:latin typeface="Courier New" charset="0"/>
-                <a:ea typeface="Courier New" charset="0"/>
-                <a:cs typeface="Courier New" charset="0"/>
-              </a:rPr>
-              <a:t>(</a:t>
+              <a:t> (</a:t>
             </a:r>
             <a:r>
               <a:rPr lang="de-DE" sz="1800" dirty="0" err="1" smtClean="0">
@@ -5823,15 +5800,7 @@
                 <a:ea typeface="Courier New" charset="0"/>
                 <a:cs typeface="Courier New" charset="0"/>
               </a:rPr>
-              <a:t>&lt;N-1</a:t>
-            </a:r>
-            <a:r>
-              <a:rPr lang="de-DE" sz="1800" dirty="0" smtClean="0">
-                <a:latin typeface="Courier New" charset="0"/>
-                <a:ea typeface="Courier New" charset="0"/>
-                <a:cs typeface="Courier New" charset="0"/>
-              </a:rPr>
-              <a:t>; </a:t>
+              <a:t>&lt;N-1; </a:t>
             </a:r>
             <a:r>
               <a:rPr lang="de-DE" sz="1800" dirty="0" err="1" smtClean="0">
@@ -5884,15 +5853,7 @@
                 <a:ea typeface="Courier New" charset="0"/>
                 <a:cs typeface="Courier New" charset="0"/>
               </a:rPr>
-              <a:t>j</a:t>
-            </a:r>
-            <a:r>
-              <a:rPr lang="de-DE" sz="1800" dirty="0" err="1" smtClean="0">
-                <a:latin typeface="Courier New" charset="0"/>
-                <a:ea typeface="Courier New" charset="0"/>
-                <a:cs typeface="Courier New" charset="0"/>
-              </a:rPr>
-              <a:t>end</a:t>
+              <a:t>jend</a:t>
             </a:r>
             <a:r>
               <a:rPr lang="de-DE" sz="1800" dirty="0" smtClean="0">
@@ -5902,11 +5863,6 @@
               </a:rPr>
               <a:t>=min(jb+block_factor,N-1);</a:t>
             </a:r>
-            <a:endParaRPr lang="de-DE" sz="1800" dirty="0" smtClean="0">
-              <a:latin typeface="Courier New" charset="0"/>
-              <a:ea typeface="Courier New" charset="0"/>
-              <a:cs typeface="Courier New" charset="0"/>
-            </a:endParaRPr>
           </a:p>
           <a:p>
             <a:pPr marL="0" indent="0">
@@ -5967,15 +5923,7 @@
                 <a:ea typeface="Courier New" charset="0"/>
                 <a:cs typeface="Courier New" charset="0"/>
               </a:rPr>
-              <a:t> </a:t>
-            </a:r>
-            <a:r>
-              <a:rPr lang="de-DE" sz="1800" dirty="0" smtClean="0">
-                <a:latin typeface="Courier New" charset="0"/>
-                <a:ea typeface="Courier New" charset="0"/>
-                <a:cs typeface="Courier New" charset="0"/>
-              </a:rPr>
-              <a:t>private(</a:t>
+              <a:t> private(</a:t>
             </a:r>
             <a:r>
               <a:rPr lang="de-DE" sz="1800" dirty="0" err="1" smtClean="0">
@@ -6460,21 +6408,8 @@
                 <a:ea typeface="Courier New" charset="0"/>
                 <a:cs typeface="Courier New" charset="0"/>
               </a:rPr>
-              <a:t>]) ;} </a:t>
-            </a:r>
-            <a:r>
-              <a:rPr lang="de-DE" sz="1800" dirty="0" smtClean="0">
-                <a:latin typeface="Courier New" charset="0"/>
-                <a:ea typeface="Courier New" charset="0"/>
-                <a:cs typeface="Courier New" charset="0"/>
-              </a:rPr>
-              <a:t>}</a:t>
-            </a:r>
-            <a:endParaRPr lang="de-DE" sz="1800" dirty="0" smtClean="0">
-              <a:latin typeface="Courier New" charset="0"/>
-              <a:ea typeface="Courier New" charset="0"/>
-              <a:cs typeface="Courier New" charset="0"/>
-            </a:endParaRPr>
+              <a:t>]) ;} }</a:t>
+            </a:r>
           </a:p>
           <a:p>
             <a:pPr marL="0" indent="0">
@@ -6547,7 +6482,7 @@
   <p:timing>
     <p:tnLst>
       <p:par>
-        <p:cTn id="1" dur="indefinite" restart="never" nodeType="tmRoot"/>
+        <p:cTn xmlns:p14="http://schemas.microsoft.com/office/powerpoint/2010/main" id="1" dur="indefinite" restart="never" nodeType="tmRoot"/>
       </p:par>
     </p:tnLst>
   </p:timing>
@@ -6586,7 +6521,11 @@
           <a:bodyPr/>
           <a:lstStyle/>
           <a:p>
-            <a:endParaRPr lang="en-US"/>
+            <a:r>
+              <a:rPr lang="en-US" dirty="0" smtClean="0"/>
+              <a:t>TODOs</a:t>
+            </a:r>
+            <a:endParaRPr lang="en-US" dirty="0"/>
           </a:p>
         </p:txBody>
       </p:sp>
@@ -6725,7 +6664,7 @@
   <p:timing>
     <p:tnLst>
       <p:par>
-        <p:cTn id="1" dur="indefinite" restart="never" nodeType="tmRoot"/>
+        <p:cTn xmlns:p14="http://schemas.microsoft.com/office/powerpoint/2010/main" id="1" dur="indefinite" restart="never" nodeType="tmRoot"/>
       </p:par>
     </p:tnLst>
   </p:timing>
@@ -6764,7 +6703,11 @@
           <a:bodyPr/>
           <a:lstStyle/>
           <a:p>
-            <a:endParaRPr lang="en-US"/>
+            <a:r>
+              <a:rPr lang="en-US" dirty="0" smtClean="0"/>
+              <a:t>Implementation issues</a:t>
+            </a:r>
+            <a:endParaRPr lang="en-US" dirty="0"/>
           </a:p>
         </p:txBody>
       </p:sp>
@@ -7279,7 +7222,7 @@
   <p:timing>
     <p:tnLst>
       <p:par>
-        <p:cTn id="1" dur="indefinite" restart="never" nodeType="tmRoot"/>
+        <p:cTn xmlns:p14="http://schemas.microsoft.com/office/powerpoint/2010/main" id="1" dur="indefinite" restart="never" nodeType="tmRoot"/>
       </p:par>
     </p:tnLst>
   </p:timing>
@@ -7305,25 +7248,6 @@
       </p:grpSpPr>
       <p:sp>
         <p:nvSpPr>
-          <p:cNvPr id="2" name="Titel 1"/>
-          <p:cNvSpPr>
-            <a:spLocks noGrp="1"/>
-          </p:cNvSpPr>
-          <p:nvPr>
-            <p:ph type="title"/>
-          </p:nvPr>
-        </p:nvSpPr>
-        <p:spPr/>
-        <p:txBody>
-          <a:bodyPr/>
-          <a:lstStyle/>
-          <a:p>
-            <a:endParaRPr lang="de-DE"/>
-          </a:p>
-        </p:txBody>
-      </p:sp>
-      <p:sp>
-        <p:nvSpPr>
           <p:cNvPr id="3" name="Inhaltsplatzhalter 2"/>
           <p:cNvSpPr>
             <a:spLocks noGrp="1"/>
@@ -7915,19 +7839,7 @@
               <a:rPr lang="de-DE" sz="1800" dirty="0" smtClean="0">
                 <a:sym typeface="Wingdings"/>
               </a:rPr>
-              <a:t> on </a:t>
-            </a:r>
-            <a:r>
-              <a:rPr lang="de-DE" sz="1800" dirty="0" smtClean="0">
-                <a:sym typeface="Wingdings"/>
-              </a:rPr>
-              <a:t> </a:t>
-            </a:r>
-            <a:r>
-              <a:rPr lang="de-DE" sz="1800" dirty="0" smtClean="0">
-                <a:sym typeface="Wingdings"/>
-              </a:rPr>
-              <a:t>double (8-byte) </a:t>
+              <a:t> on  double (8-byte) </a:t>
             </a:r>
             <a:r>
               <a:rPr lang="de-DE" sz="1800" dirty="0" err="1" smtClean="0">
@@ -8198,7 +8110,7 @@
   <p:timing>
     <p:tnLst>
       <p:par>
-        <p:cTn id="1" dur="indefinite" restart="never" nodeType="tmRoot"/>
+        <p:cTn xmlns:p14="http://schemas.microsoft.com/office/powerpoint/2010/main" id="1" dur="indefinite" restart="never" nodeType="tmRoot"/>
       </p:par>
     </p:tnLst>
   </p:timing>
@@ -8321,15 +8233,7 @@
                 <a:ea typeface="Courier New" charset="0"/>
                 <a:cs typeface="Courier New" charset="0"/>
               </a:rPr>
-              <a:t>; </a:t>
-            </a:r>
-            <a:r>
-              <a:rPr lang="de-DE" sz="1800" dirty="0" smtClean="0">
-                <a:latin typeface="Courier New" charset="0"/>
-                <a:ea typeface="Courier New" charset="0"/>
-                <a:cs typeface="Courier New" charset="0"/>
-              </a:rPr>
-              <a:t>i&lt;N-</a:t>
+              <a:t>; i&lt;N-</a:t>
             </a:r>
             <a:r>
               <a:rPr lang="de-DE" sz="1800" dirty="0">
@@ -9204,7 +9108,7 @@
   <p:timing>
     <p:tnLst>
       <p:par>
-        <p:cTn id="1" dur="indefinite" restart="never" nodeType="tmRoot"/>
+        <p:cTn xmlns:p14="http://schemas.microsoft.com/office/powerpoint/2010/main" id="1" dur="indefinite" restart="never" nodeType="tmRoot"/>
       </p:par>
     </p:tnLst>
   </p:timing>
@@ -10669,7 +10573,7 @@
   <p:timing>
     <p:tnLst>
       <p:par>
-        <p:cTn id="1" dur="indefinite" restart="never" nodeType="tmRoot"/>
+        <p:cTn xmlns:p14="http://schemas.microsoft.com/office/powerpoint/2010/main" id="1" dur="indefinite" restart="never" nodeType="tmRoot"/>
       </p:par>
     </p:tnLst>
   </p:timing>
@@ -11598,7 +11502,7 @@
   <p:timing>
     <p:tnLst>
       <p:par>
-        <p:cTn id="1" dur="indefinite" restart="never" nodeType="tmRoot"/>
+        <p:cTn xmlns:p14="http://schemas.microsoft.com/office/powerpoint/2010/main" id="1" dur="indefinite" restart="never" nodeType="tmRoot"/>
       </p:par>
     </p:tnLst>
   </p:timing>
@@ -12456,7 +12360,7 @@
   <p:timing>
     <p:tnLst>
       <p:par>
-        <p:cTn id="1" dur="indefinite" restart="never" nodeType="tmRoot"/>
+        <p:cTn xmlns:p14="http://schemas.microsoft.com/office/powerpoint/2010/main" id="1" dur="indefinite" restart="never" nodeType="tmRoot"/>
       </p:par>
     </p:tnLst>
   </p:timing>
@@ -13294,7 +13198,7 @@
   <p:timing>
     <p:tnLst>
       <p:par>
-        <p:cTn id="1" dur="indefinite" restart="never" nodeType="tmRoot"/>
+        <p:cTn xmlns:p14="http://schemas.microsoft.com/office/powerpoint/2010/main" id="1" dur="indefinite" restart="never" nodeType="tmRoot"/>
       </p:par>
     </p:tnLst>
   </p:timing>
@@ -14156,7 +14060,7 @@
   <p:timing>
     <p:tnLst>
       <p:par>
-        <p:cTn id="1" dur="indefinite" restart="never" nodeType="tmRoot"/>
+        <p:cTn xmlns:p14="http://schemas.microsoft.com/office/powerpoint/2010/main" id="1" dur="indefinite" restart="never" nodeType="tmRoot"/>
       </p:par>
     </p:tnLst>
   </p:timing>
@@ -15063,7 +14967,7 @@
   <p:timing>
     <p:tnLst>
       <p:par>
-        <p:cTn id="1" dur="indefinite" restart="never" nodeType="tmRoot"/>
+        <p:cTn xmlns:p14="http://schemas.microsoft.com/office/powerpoint/2010/main" id="1" dur="indefinite" restart="never" nodeType="tmRoot"/>
       </p:par>
     </p:tnLst>
   </p:timing>
@@ -15113,7 +15017,7 @@
     </a:clrScheme>
     <a:fontScheme name="Office">
       <a:majorFont>
-        <a:latin typeface="Calibri Light" panose="020F0302020204030204"/>
+        <a:latin typeface="Calibri Light"/>
         <a:ea typeface=""/>
         <a:cs typeface=""/>
         <a:font script="Jpan" typeface="Yu Gothic Light"/>
@@ -15148,7 +15052,7 @@
         <a:font script="Geor" typeface="Sylfaen"/>
       </a:majorFont>
       <a:minorFont>
-        <a:latin typeface="Calibri" panose="020F0502020204030204"/>
+        <a:latin typeface="Calibri"/>
         <a:ea typeface=""/>
         <a:cs typeface=""/>
         <a:font script="Jpan" typeface="Yu Gothic"/>
@@ -15325,7 +15229,7 @@
   <a:extraClrSchemeLst/>
   <a:extLst>
     <a:ext uri="{05A4C25C-085E-4340-85A3-A5531E510DB2}">
-      <thm15:themeFamily xmlns:thm15="http://schemas.microsoft.com/office/thememl/2012/main" name="Office Theme" id="{62F939B6-93AF-4DB8-9C6B-D6C7DFDC589F}" vid="{4A3C46E8-61CC-4603-A589-7422A47A8E4A}"/>
+      <thm15:themeFamily xmlns="" xmlns:thm15="http://schemas.microsoft.com/office/thememl/2012/main" name="Office Theme" id="{62F939B6-93AF-4DB8-9C6B-D6C7DFDC589F}" vid="{4A3C46E8-61CC-4603-A589-7422A47A8E4A}"/>
     </a:ext>
   </a:extLst>
 </a:theme>
@@ -15374,7 +15278,7 @@
     </a:clrScheme>
     <a:fontScheme name="Office">
       <a:majorFont>
-        <a:latin typeface="Calibri Light" panose="020F0302020204030204"/>
+        <a:latin typeface="Calibri Light"/>
         <a:ea typeface=""/>
         <a:cs typeface=""/>
         <a:font script="Jpan" typeface="Yu Gothic Light"/>
@@ -15409,7 +15313,7 @@
         <a:font script="Geor" typeface="Sylfaen"/>
       </a:majorFont>
       <a:minorFont>
-        <a:latin typeface="Calibri" panose="020F0502020204030204"/>
+        <a:latin typeface="Calibri"/>
         <a:ea typeface=""/>
         <a:cs typeface=""/>
         <a:font script="Jpan" typeface="Yu Gothic"/>
@@ -15586,7 +15490,7 @@
   <a:extraClrSchemeLst/>
   <a:extLst>
     <a:ext uri="{05A4C25C-085E-4340-85A3-A5531E510DB2}">
-      <thm15:themeFamily xmlns:thm15="http://schemas.microsoft.com/office/thememl/2012/main" name="Office Theme" id="{62F939B6-93AF-4DB8-9C6B-D6C7DFDC589F}" vid="{4A3C46E8-61CC-4603-A589-7422A47A8E4A}"/>
+      <thm15:themeFamily xmlns="" xmlns:thm15="http://schemas.microsoft.com/office/thememl/2012/main" name="Office Theme" id="{62F939B6-93AF-4DB8-9C6B-D6C7DFDC589F}" vid="{4A3C46E8-61CC-4603-A589-7422A47A8E4A}"/>
     </a:ext>
   </a:extLst>
 </a:theme>
